--- a/example_workflow_1/provenance/workflow_1_graph.pptx
+++ b/example_workflow_1/provenance/workflow_1_graph.pptx
@@ -243,7 +243,7 @@
           <a:p>
             <a:fld id="{4DAAF268-B108-415A-8D22-4C329ED559E0}" type="datetimeFigureOut">
               <a:rPr lang="en-US" smtClean="0"/>
-              <a:t>11/6/23</a:t>
+              <a:t>11/16/23</a:t>
             </a:fld>
             <a:endParaRPr lang="en-US"/>
           </a:p>
@@ -413,7 +413,7 @@
           <a:p>
             <a:fld id="{4DAAF268-B108-415A-8D22-4C329ED559E0}" type="datetimeFigureOut">
               <a:rPr lang="en-US" smtClean="0"/>
-              <a:t>11/6/23</a:t>
+              <a:t>11/16/23</a:t>
             </a:fld>
             <a:endParaRPr lang="en-US"/>
           </a:p>
@@ -593,7 +593,7 @@
           <a:p>
             <a:fld id="{4DAAF268-B108-415A-8D22-4C329ED559E0}" type="datetimeFigureOut">
               <a:rPr lang="en-US" smtClean="0"/>
-              <a:t>11/6/23</a:t>
+              <a:t>11/16/23</a:t>
             </a:fld>
             <a:endParaRPr lang="en-US"/>
           </a:p>
@@ -763,7 +763,7 @@
           <a:p>
             <a:fld id="{4DAAF268-B108-415A-8D22-4C329ED559E0}" type="datetimeFigureOut">
               <a:rPr lang="en-US" smtClean="0"/>
-              <a:t>11/6/23</a:t>
+              <a:t>11/16/23</a:t>
             </a:fld>
             <a:endParaRPr lang="en-US"/>
           </a:p>
@@ -1007,7 +1007,7 @@
           <a:p>
             <a:fld id="{4DAAF268-B108-415A-8D22-4C329ED559E0}" type="datetimeFigureOut">
               <a:rPr lang="en-US" smtClean="0"/>
-              <a:t>11/6/23</a:t>
+              <a:t>11/16/23</a:t>
             </a:fld>
             <a:endParaRPr lang="en-US"/>
           </a:p>
@@ -1239,7 +1239,7 @@
           <a:p>
             <a:fld id="{4DAAF268-B108-415A-8D22-4C329ED559E0}" type="datetimeFigureOut">
               <a:rPr lang="en-US" smtClean="0"/>
-              <a:t>11/6/23</a:t>
+              <a:t>11/16/23</a:t>
             </a:fld>
             <a:endParaRPr lang="en-US"/>
           </a:p>
@@ -1606,7 +1606,7 @@
           <a:p>
             <a:fld id="{4DAAF268-B108-415A-8D22-4C329ED559E0}" type="datetimeFigureOut">
               <a:rPr lang="en-US" smtClean="0"/>
-              <a:t>11/6/23</a:t>
+              <a:t>11/16/23</a:t>
             </a:fld>
             <a:endParaRPr lang="en-US"/>
           </a:p>
@@ -1724,7 +1724,7 @@
           <a:p>
             <a:fld id="{4DAAF268-B108-415A-8D22-4C329ED559E0}" type="datetimeFigureOut">
               <a:rPr lang="en-US" smtClean="0"/>
-              <a:t>11/6/23</a:t>
+              <a:t>11/16/23</a:t>
             </a:fld>
             <a:endParaRPr lang="en-US"/>
           </a:p>
@@ -1819,7 +1819,7 @@
           <a:p>
             <a:fld id="{4DAAF268-B108-415A-8D22-4C329ED559E0}" type="datetimeFigureOut">
               <a:rPr lang="en-US" smtClean="0"/>
-              <a:t>11/6/23</a:t>
+              <a:t>11/16/23</a:t>
             </a:fld>
             <a:endParaRPr lang="en-US"/>
           </a:p>
@@ -2096,7 +2096,7 @@
           <a:p>
             <a:fld id="{4DAAF268-B108-415A-8D22-4C329ED559E0}" type="datetimeFigureOut">
               <a:rPr lang="en-US" smtClean="0"/>
-              <a:t>11/6/23</a:t>
+              <a:t>11/16/23</a:t>
             </a:fld>
             <a:endParaRPr lang="en-US"/>
           </a:p>
@@ -2353,7 +2353,7 @@
           <a:p>
             <a:fld id="{4DAAF268-B108-415A-8D22-4C329ED559E0}" type="datetimeFigureOut">
               <a:rPr lang="en-US" smtClean="0"/>
-              <a:t>11/6/23</a:t>
+              <a:t>11/16/23</a:t>
             </a:fld>
             <a:endParaRPr lang="en-US"/>
           </a:p>
@@ -2566,7 +2566,7 @@
           <a:p>
             <a:fld id="{4DAAF268-B108-415A-8D22-4C329ED559E0}" type="datetimeFigureOut">
               <a:rPr lang="en-US" smtClean="0"/>
-              <a:t>11/6/23</a:t>
+              <a:t>11/16/23</a:t>
             </a:fld>
             <a:endParaRPr lang="en-US"/>
           </a:p>
@@ -2985,8 +2985,8 @@
         </p:nvSpPr>
         <p:spPr>
           <a:xfrm>
-            <a:off x="13869004" y="1097461"/>
-            <a:ext cx="7329338" cy="11252499"/>
+            <a:off x="13869003" y="1097461"/>
+            <a:ext cx="8308152" cy="11652200"/>
           </a:xfrm>
           <a:prstGeom prst="rect">
             <a:avLst/>
@@ -3011,376 +3011,1072 @@
           <a:lstStyle/>
           <a:p>
             <a:r>
-              <a:rPr lang="en-US" sz="1250" dirty="0"/>
-              <a:t>/pr/venv/lib/python3.11/site-packages/numpy/core/_multiarray_umath.cpython-311-x86_64-linux-gnu.so</a:t>
-            </a:r>
-          </a:p>
-          <a:p>
-            <a:r>
-              <a:rPr lang="en-US" sz="1250" dirty="0"/>
-              <a:t>/home/pr/venv/lib/python3.11/site-packages/numpy.libs/libopenblas64_p-r0-0cf96a72.3.23.dev.so</a:t>
-            </a:r>
-          </a:p>
-          <a:p>
-            <a:r>
-              <a:rPr lang="en-US" sz="1250" dirty="0"/>
+              <a:rPr lang="en-US" sz="1300" dirty="0"/>
               <a:t>/home/pr/</a:t>
             </a:r>
             <a:r>
-              <a:rPr lang="en-US" sz="1250" dirty="0" err="1"/>
+              <a:rPr lang="en-US" sz="1300" dirty="0" err="1"/>
               <a:t>venv</a:t>
             </a:r>
             <a:r>
-              <a:rPr lang="en-US" sz="1250" dirty="0"/>
+              <a:rPr lang="en-US" sz="1300" dirty="0"/>
               <a:t>/lib/python3.11/site-packages/</a:t>
             </a:r>
             <a:r>
-              <a:rPr lang="en-US" sz="1250" dirty="0" err="1"/>
+              <a:rPr lang="en-US" sz="1300" dirty="0" err="1"/>
+              <a:t>numpy</a:t>
+            </a:r>
+            <a:r>
+              <a:rPr lang="en-US" sz="1300" dirty="0"/>
+              <a:t>/core/_multiarray_umath.cpython-311-x86_64-linux-gnu.so</a:t>
+            </a:r>
+          </a:p>
+          <a:p>
+            <a:r>
+              <a:rPr lang="en-US" sz="1300" dirty="0"/>
+              <a:t>/home/pr/</a:t>
+            </a:r>
+            <a:r>
+              <a:rPr lang="en-US" sz="1300" dirty="0" err="1"/>
+              <a:t>venv</a:t>
+            </a:r>
+            <a:r>
+              <a:rPr lang="en-US" sz="1300" dirty="0"/>
+              <a:t>/lib/python3.11/site-packages/</a:t>
+            </a:r>
+            <a:r>
+              <a:rPr lang="en-US" sz="1300" dirty="0" err="1"/>
               <a:t>numpy.libs</a:t>
             </a:r>
             <a:r>
-              <a:rPr lang="en-US" sz="1250" dirty="0"/>
+              <a:rPr lang="en-US" sz="1300" dirty="0"/>
+              <a:t>/libopenblas64_p-r0-0cf96a72.3.23.dev.so</a:t>
+            </a:r>
+          </a:p>
+          <a:p>
+            <a:r>
+              <a:rPr lang="en-US" sz="1300" dirty="0"/>
+              <a:t>/home/pr/</a:t>
+            </a:r>
+            <a:r>
+              <a:rPr lang="en-US" sz="1300" dirty="0" err="1"/>
+              <a:t>venv</a:t>
+            </a:r>
+            <a:r>
+              <a:rPr lang="en-US" sz="1300" dirty="0"/>
+              <a:t>/lib/python3.11/site-packages/</a:t>
+            </a:r>
+            <a:r>
+              <a:rPr lang="en-US" sz="1300" dirty="0" err="1"/>
+              <a:t>numpy.libs</a:t>
+            </a:r>
+            <a:r>
+              <a:rPr lang="en-US" sz="1300" dirty="0"/>
               <a:t>/libgfortran-040039e1.so.5.0.0</a:t>
             </a:r>
           </a:p>
           <a:p>
             <a:r>
-              <a:rPr lang="en-US" sz="1250" dirty="0"/>
+              <a:rPr lang="en-US" sz="1300" dirty="0"/>
               <a:t>/home/pr/</a:t>
             </a:r>
             <a:r>
-              <a:rPr lang="en-US" sz="1250" dirty="0" err="1"/>
+              <a:rPr lang="en-US" sz="1300" dirty="0" err="1"/>
               <a:t>venv</a:t>
             </a:r>
             <a:r>
-              <a:rPr lang="en-US" sz="1250" dirty="0"/>
+              <a:rPr lang="en-US" sz="1300" dirty="0"/>
               <a:t>/lib/python3.11/site-packages/</a:t>
             </a:r>
             <a:r>
-              <a:rPr lang="en-US" sz="1250" dirty="0" err="1"/>
+              <a:rPr lang="en-US" sz="1300" dirty="0" err="1"/>
               <a:t>numpy.libs</a:t>
             </a:r>
             <a:r>
-              <a:rPr lang="en-US" sz="1250" dirty="0"/>
+              <a:rPr lang="en-US" sz="1300" dirty="0"/>
               <a:t>/libquadmath-96973f99.so.0.0.0</a:t>
             </a:r>
           </a:p>
           <a:p>
             <a:r>
-              <a:rPr lang="en-US" sz="1250" dirty="0"/>
-              <a:t>/pr/venv/lib/python3.11/site-packages/numpy/core/_multiarray_tests.cpython-311-x86_64-linux-gnu.so</a:t>
-            </a:r>
-          </a:p>
-          <a:p>
-            <a:r>
-              <a:rPr lang="en-US" sz="1250" dirty="0"/>
-              <a:t>/pr/venv/lib/python3.11/site-packages/numpy/linalg/_umath_linalg.cpython-311-x86_64-linux-gnu.so</a:t>
-            </a:r>
-          </a:p>
-          <a:p>
-            <a:r>
-              <a:rPr lang="en-US" sz="1250" dirty="0"/>
-              <a:t>/pr/venv/lib/python3.11/site-packages/numpy/fft/_pocketfft_internal.cpython-311-x86_64-linux-gnu.so</a:t>
-            </a:r>
-          </a:p>
-          <a:p>
-            <a:r>
-              <a:rPr lang="en-US" sz="1250" dirty="0"/>
-              <a:t>/pr/venv/lib/python3.11/site-packages/numpy/random/mtrand.cpython-311-x86_64-linux-gnu.so</a:t>
-            </a:r>
-          </a:p>
-          <a:p>
-            <a:r>
-              <a:rPr lang="en-US" sz="1250" dirty="0"/>
-              <a:t>/pr/venv/lib/python3.11/site-packages/numpy/random/bit_generator.cpython-311-x86_64-linux-gnu.so</a:t>
-            </a:r>
-          </a:p>
-          <a:p>
-            <a:r>
-              <a:rPr lang="en-US" sz="1250" dirty="0"/>
-              <a:t>/pr/venv/lib/python3.11/site-packages/numpy/random/_common.cpython-311-x86_64-linux-gnu.so</a:t>
-            </a:r>
-          </a:p>
-          <a:p>
-            <a:r>
-              <a:rPr lang="en-US" sz="1250" dirty="0"/>
-              <a:t>/pr/venv/lib/python3.11/site-packages/numpy/random/_bounded_integers.cpython-311-x86_64-linux-gnu.so</a:t>
-            </a:r>
-          </a:p>
-          <a:p>
-            <a:r>
-              <a:rPr lang="en-US" sz="1250" dirty="0"/>
-              <a:t>/pr/venv/lib/python3.11/site-packages/numpy/random/_mt19937.cpython-311-x86_64-linux-gnu.so</a:t>
-            </a:r>
-          </a:p>
-          <a:p>
-            <a:r>
-              <a:rPr lang="en-US" sz="1250" dirty="0"/>
-              <a:t>/pr/venv/lib/python3.11/site-packages/numpy/random/_philox.cpython-311-x86_64-linux-gnu.so</a:t>
-            </a:r>
-          </a:p>
-          <a:p>
-            <a:r>
-              <a:rPr lang="en-US" sz="1250" dirty="0"/>
-              <a:t>/pr/venv/lib/python3.11/site-packages/numpy/random/_pcg64.cpython-311-x86_64-linux-gnu.so</a:t>
-            </a:r>
-          </a:p>
-          <a:p>
-            <a:r>
-              <a:rPr lang="en-US" sz="1250" dirty="0"/>
-              <a:t>/pr/venv/lib/python3.11/site-packages/numpy/random/_sfc64.cpython-311-x86_64-linux-gnu.so</a:t>
-            </a:r>
-          </a:p>
-          <a:p>
-            <a:r>
-              <a:rPr lang="en-US" sz="1250" dirty="0"/>
-              <a:t>/pr/venv/lib/python3.11/site-packages/numpy/random/_generator.cpython-311-x86_64-linux-gnu.so</a:t>
-            </a:r>
-          </a:p>
-          <a:p>
-            <a:r>
-              <a:rPr lang="en-US" sz="1250" dirty="0"/>
-              <a:t>/pr/venv/lib/python3.11/site-packages/pandas/_libs/pandas_parser.cpython-311-x86_64-linux-gnu.so</a:t>
-            </a:r>
-          </a:p>
-          <a:p>
-            <a:r>
-              <a:rPr lang="en-US" sz="1250" dirty="0"/>
-              <a:t>/pr/venv/lib/python3.11/site-packages/pandas/_libs/pandas_datetime.cpython-311-x86_64-linux-gnu.so</a:t>
-            </a:r>
-          </a:p>
-          <a:p>
-            <a:r>
-              <a:rPr lang="en-US" sz="1250" dirty="0"/>
-              <a:t>/pr/venv/lib/python3.11/site-packages/pandas/_libs/interval.cpython-311-x86_64-linux-gnu.so</a:t>
-            </a:r>
-          </a:p>
-          <a:p>
-            <a:r>
-              <a:rPr lang="en-US" sz="1250" dirty="0"/>
-              <a:t>/pr/venv/lib/python3.11/site-packages/pandas/_libs/hashtable.cpython-311-x86_64-linux-gnu.so</a:t>
-            </a:r>
-          </a:p>
-          <a:p>
-            <a:r>
-              <a:rPr lang="en-US" sz="1250" dirty="0"/>
-              <a:t>/pr/venv/lib/python3.11/site-packages/pandas/_libs/missing.cpython-311-x86_64-linux-gnu.so</a:t>
-            </a:r>
-          </a:p>
-          <a:p>
-            <a:r>
-              <a:rPr lang="en-US" sz="1250" dirty="0"/>
-              <a:t>/venv/lib/python3.11/site-packages/pandas/_libs/tslibs/dtypes.cpython-311-x86_64-linux-gnu.so</a:t>
-            </a:r>
-          </a:p>
-          <a:p>
-            <a:r>
-              <a:rPr lang="en-US" sz="1250" dirty="0"/>
-              <a:t>/venv/lib/python3.11/site-packages/pandas/_libs/tslibs/np_datetime.cpython-311-x86_64-linux-gnu.so</a:t>
-            </a:r>
-          </a:p>
-          <a:p>
-            <a:r>
-              <a:rPr lang="en-US" sz="1250" dirty="0"/>
-              <a:t>/venv/lib/python3.11/site-packages/pandas/_libs/tslibs/conversion.cpython-311-x86_64-linux-gnu.so</a:t>
-            </a:r>
-          </a:p>
-          <a:p>
-            <a:r>
-              <a:rPr lang="en-US" sz="1250" dirty="0"/>
-              <a:t>/venv/lib/python3.11/site-packages/pandas/_libs/tslibs/base.cpython-311-x86_64-linux-gnu.so</a:t>
-            </a:r>
-          </a:p>
-          <a:p>
-            <a:r>
-              <a:rPr lang="en-US" sz="1250" dirty="0"/>
-              <a:t>/venv/lib/python3.11/site-packages/pandas/_libs/tslibs/offsets.cpython-311-x86_64-linux-gnu.so</a:t>
-            </a:r>
-          </a:p>
-          <a:p>
-            <a:r>
-              <a:rPr lang="en-US" sz="1250" dirty="0"/>
-              <a:t>/venv/lib/python3.11/site-packages/pandas/_libs/tslibs/timestamps.cpython-311-x86_64-linux-gnu.so</a:t>
-            </a:r>
-          </a:p>
-          <a:p>
-            <a:r>
-              <a:rPr lang="en-US" sz="1250" dirty="0"/>
-              <a:t>/venv/lib/python3.11/site-packages/pandas/_libs/tslibs/nattype.cpython-311-x86_64-linux-gnu.so</a:t>
-            </a:r>
-          </a:p>
-          <a:p>
-            <a:r>
-              <a:rPr lang="en-US" sz="1250" dirty="0"/>
-              <a:t>/venv/lib/python3.11/site-packages/pandas/_libs/tslibs/timedeltas.cpython-311-x86_64-linux-gnu.so</a:t>
-            </a:r>
-          </a:p>
-          <a:p>
-            <a:r>
-              <a:rPr lang="en-US" sz="1250" dirty="0"/>
-              <a:t>/venv/lib/python3.11/site-packages/pandas/_libs/tslibs/timezones.cpython-311-x86_64-linux-gnu.so</a:t>
-            </a:r>
-          </a:p>
-          <a:p>
-            <a:r>
-              <a:rPr lang="en-US" sz="1250" dirty="0"/>
-              <a:t>/venv/lib/python3.11/site-packages/pandas/_libs/tslibs/fields.cpython-311-x86_64-linux-gnu.so</a:t>
-            </a:r>
-          </a:p>
-          <a:p>
-            <a:r>
-              <a:rPr lang="en-US" sz="1250" dirty="0"/>
-              <a:t>/venv/lib/python3.11/site-packages/pandas/_libs/tslibs/ccalendar.cpython-311-x86_64-linux-gnu.so</a:t>
-            </a:r>
-          </a:p>
-          <a:p>
-            <a:r>
-              <a:rPr lang="en-US" sz="1250" dirty="0"/>
-              <a:t>/venv/lib/python3.11/site-packages/pandas/_libs/tslibs/tzconversion.cpython-311-x86_64-linux-gnu.so</a:t>
-            </a:r>
-          </a:p>
-          <a:p>
-            <a:r>
-              <a:rPr lang="en-US" sz="1250" dirty="0"/>
-              <a:t>/pr/venv/lib/python3.11/site-packages/pandas/_libs/properties.cpython-311-x86_64-linux-gnu.so</a:t>
-            </a:r>
-          </a:p>
-          <a:p>
-            <a:r>
-              <a:rPr lang="en-US" sz="1250" dirty="0"/>
-              <a:t>/venv/lib/python3.11/site-packages/pandas/_libs/tslibs/parsing.cpython-311-x86_64-linux-gnu.so</a:t>
-            </a:r>
-          </a:p>
-          <a:p>
-            <a:r>
-              <a:rPr lang="en-US" sz="1250" dirty="0"/>
-              <a:t>/venv/lib/python3.11/site-packages/pandas/_libs/tslibs/strptime.cpython-311-x86_64-linux-gnu.so</a:t>
-            </a:r>
-          </a:p>
-          <a:p>
-            <a:r>
-              <a:rPr lang="en-US" sz="1250" dirty="0"/>
-              <a:t>/venv/lib/python3.11/site-packages/pandas/_libs/tslibs/period.cpython-311-x86_64-linux-gnu.so</a:t>
-            </a:r>
-          </a:p>
-          <a:p>
-            <a:r>
-              <a:rPr lang="en-US" sz="1250" dirty="0"/>
-              <a:t>/venv/lib/python3.11/site-packages/pandas/_libs/tslibs/vectorized.cpython-311-x86_64-linux-gnu.so</a:t>
-            </a:r>
-          </a:p>
-          <a:p>
-            <a:r>
-              <a:rPr lang="en-US" sz="1250" dirty="0"/>
-              <a:t>/pr/venv/lib/python3.11/site-packages/pandas/_libs/ops_dispatch.cpython-311-x86_64-linux-gnu.so</a:t>
-            </a:r>
-          </a:p>
-          <a:p>
-            <a:r>
-              <a:rPr lang="en-US" sz="1250" dirty="0"/>
-              <a:t>/pr/venv/lib/python3.11/site-packages/pandas/_libs/algos.cpython-311-x86_64-linux-gnu.so</a:t>
-            </a:r>
-          </a:p>
-          <a:p>
-            <a:r>
-              <a:rPr lang="en-US" sz="1250" dirty="0"/>
-              <a:t>/pr/venv/lib/python3.11/site-packages/pandas/_libs/lib.cpython-311-x86_64-linux-gnu.so</a:t>
-            </a:r>
-          </a:p>
-          <a:p>
-            <a:r>
-              <a:rPr lang="en-US" sz="1250" dirty="0"/>
-              <a:t>/pr/venv/lib/python3.11/site-packages/pandas/_libs/ops.cpython-311-x86_64-linux-gnu.so</a:t>
-            </a:r>
-          </a:p>
-          <a:p>
-            <a:r>
-              <a:rPr lang="en-US" sz="1250" dirty="0"/>
-              <a:t>/pr/venv/lib/python3.11/site-packages/pandas/_libs/arrays.cpython-311-x86_64-linux-gnu.so</a:t>
-            </a:r>
-          </a:p>
-          <a:p>
-            <a:r>
-              <a:rPr lang="en-US" sz="1250" dirty="0"/>
-              <a:t>/pr/venv/lib/python3.11/site-packages/pandas/_libs/tslib.cpython-311-x86_64-linux-gnu.so</a:t>
-            </a:r>
-          </a:p>
-          <a:p>
-            <a:r>
-              <a:rPr lang="en-US" sz="1250" dirty="0"/>
-              <a:t>/pr/venv/lib/python3.11/site-packages/pandas/_libs/sparse.cpython-311-x86_64-linux-gnu.so</a:t>
-            </a:r>
-          </a:p>
-          <a:p>
-            <a:r>
-              <a:rPr lang="en-US" sz="1250" dirty="0"/>
-              <a:t>/pr/venv/lib/python3.11/site-packages/pandas/_libs/indexing.cpython-311-x86_64-linux-gnu.so</a:t>
-            </a:r>
-          </a:p>
-          <a:p>
-            <a:r>
-              <a:rPr lang="en-US" sz="1250" dirty="0"/>
-              <a:t>/pr/venv/lib/python3.11/site-packages/pandas/_libs/index.cpython-311-x86_64-linux-gnu.so</a:t>
-            </a:r>
-          </a:p>
-          <a:p>
-            <a:r>
-              <a:rPr lang="en-US" sz="1250" dirty="0"/>
-              <a:t>/pr/venv/lib/python3.11/site-packages/pandas/_libs/internals.cpython-311-x86_64-linux-gnu.so</a:t>
-            </a:r>
-          </a:p>
-          <a:p>
-            <a:r>
-              <a:rPr lang="en-US" sz="1250" dirty="0"/>
-              <a:t>/pr/venv/lib/python3.11/site-packages/pandas/_libs/join.cpython-311-x86_64-linux-gnu.so</a:t>
-            </a:r>
-          </a:p>
-          <a:p>
-            <a:r>
-              <a:rPr lang="en-US" sz="1250" dirty="0"/>
-              <a:t>/pr/venv/lib/python3.11/site-packages/pandas/_libs/writers.cpython-311-x86_64-linux-gnu.so</a:t>
-            </a:r>
-          </a:p>
-          <a:p>
-            <a:r>
-              <a:rPr lang="en-US" sz="1250" dirty="0"/>
-              <a:t>/venv/lib/python3.11/site-packages/pandas/_libs/window/aggregations.cpython-311-x86_64-linux-gnu.so</a:t>
-            </a:r>
-          </a:p>
-          <a:p>
-            <a:r>
-              <a:rPr lang="en-US" sz="1250" dirty="0"/>
-              <a:t>/venv/lib/python3.11/site-packages/pandas/_libs/window/indexers.cpython-311-x86_64-linux-gnu.so</a:t>
-            </a:r>
-          </a:p>
-          <a:p>
-            <a:r>
-              <a:rPr lang="en-US" sz="1250" dirty="0"/>
-              <a:t>/pr/venv/lib/python3.11/site-packages/pandas/_libs/reshape.cpython-311-x86_64-linux-gnu.so</a:t>
-            </a:r>
-          </a:p>
-          <a:p>
-            <a:r>
-              <a:rPr lang="en-US" sz="1250" dirty="0"/>
-              <a:t>/pr/venv/lib/python3.11/site-packages/pandas/_libs/groupby.cpython-311-x86_64-linux-gnu.so</a:t>
-            </a:r>
-          </a:p>
-          <a:p>
-            <a:r>
-              <a:rPr lang="en-US" sz="1250" dirty="0"/>
-              <a:t>/pr/venv/lib/python3.11/site-packages/pandas/_libs/json.cpython-311-x86_64-linux-gnu.so</a:t>
-            </a:r>
-          </a:p>
-          <a:p>
-            <a:r>
-              <a:rPr lang="en-US" sz="1250" dirty="0"/>
-              <a:t>/pr/venv/lib/python3.11/site-packages/pandas/_libs/parsers.cpython-311-x86_64-linux-gnu.so</a:t>
-            </a:r>
-          </a:p>
-          <a:p>
-            <a:r>
-              <a:rPr lang="en-US" sz="1250" dirty="0"/>
-              <a:t>/pr/venv/lib/python3.11/site-packages/pandas/_libs/testing.cpython-311-x86_64-linux-gnu.so</a:t>
+              <a:rPr lang="en-US" sz="1300" dirty="0"/>
+              <a:t>/home/pr/</a:t>
+            </a:r>
+            <a:r>
+              <a:rPr lang="en-US" sz="1300" dirty="0" err="1"/>
+              <a:t>venv</a:t>
+            </a:r>
+            <a:r>
+              <a:rPr lang="en-US" sz="1300" dirty="0"/>
+              <a:t>/lib/python3.11/site-packages/</a:t>
+            </a:r>
+            <a:r>
+              <a:rPr lang="en-US" sz="1300" dirty="0" err="1"/>
+              <a:t>numpy</a:t>
+            </a:r>
+            <a:r>
+              <a:rPr lang="en-US" sz="1300" dirty="0"/>
+              <a:t>/core/_multiarray_tests.cpython-311-x86_64-linux-gnu.so</a:t>
+            </a:r>
+          </a:p>
+          <a:p>
+            <a:r>
+              <a:rPr lang="en-US" sz="1300" dirty="0"/>
+              <a:t>/home/pr/</a:t>
+            </a:r>
+            <a:r>
+              <a:rPr lang="en-US" sz="1300" dirty="0" err="1"/>
+              <a:t>venv</a:t>
+            </a:r>
+            <a:r>
+              <a:rPr lang="en-US" sz="1300" dirty="0"/>
+              <a:t>/lib/python3.11/site-packages/</a:t>
+            </a:r>
+            <a:r>
+              <a:rPr lang="en-US" sz="1300" dirty="0" err="1"/>
+              <a:t>numpy</a:t>
+            </a:r>
+            <a:r>
+              <a:rPr lang="en-US" sz="1300" dirty="0"/>
+              <a:t>/</a:t>
+            </a:r>
+            <a:r>
+              <a:rPr lang="en-US" sz="1300" dirty="0" err="1"/>
+              <a:t>linalg</a:t>
+            </a:r>
+            <a:r>
+              <a:rPr lang="en-US" sz="1300" dirty="0"/>
+              <a:t>/_umath_linalg.cpython-311-x86_64-linux-gnu.so</a:t>
+            </a:r>
+          </a:p>
+          <a:p>
+            <a:r>
+              <a:rPr lang="en-US" sz="1300" dirty="0"/>
+              <a:t>/home/pr/</a:t>
+            </a:r>
+            <a:r>
+              <a:rPr lang="en-US" sz="1300" dirty="0" err="1"/>
+              <a:t>venv</a:t>
+            </a:r>
+            <a:r>
+              <a:rPr lang="en-US" sz="1300" dirty="0"/>
+              <a:t>/lib/python3.11/site-packages/</a:t>
+            </a:r>
+            <a:r>
+              <a:rPr lang="en-US" sz="1300" dirty="0" err="1"/>
+              <a:t>numpy</a:t>
+            </a:r>
+            <a:r>
+              <a:rPr lang="en-US" sz="1300" dirty="0"/>
+              <a:t>/</a:t>
+            </a:r>
+            <a:r>
+              <a:rPr lang="en-US" sz="1300" dirty="0" err="1"/>
+              <a:t>fft</a:t>
+            </a:r>
+            <a:r>
+              <a:rPr lang="en-US" sz="1300" dirty="0"/>
+              <a:t>/_pocketfft_internal.cpython-311-x86_64-linux-gnu.so</a:t>
+            </a:r>
+          </a:p>
+          <a:p>
+            <a:r>
+              <a:rPr lang="en-US" sz="1300" dirty="0"/>
+              <a:t>/home/pr/</a:t>
+            </a:r>
+            <a:r>
+              <a:rPr lang="en-US" sz="1300" dirty="0" err="1"/>
+              <a:t>venv</a:t>
+            </a:r>
+            <a:r>
+              <a:rPr lang="en-US" sz="1300" dirty="0"/>
+              <a:t>/lib/python3.11/site-packages/</a:t>
+            </a:r>
+            <a:r>
+              <a:rPr lang="en-US" sz="1300" dirty="0" err="1"/>
+              <a:t>numpy</a:t>
+            </a:r>
+            <a:r>
+              <a:rPr lang="en-US" sz="1300" dirty="0"/>
+              <a:t>/random/mtrand.cpython-311-x86_64-linux-gnu.so</a:t>
+            </a:r>
+          </a:p>
+          <a:p>
+            <a:r>
+              <a:rPr lang="en-US" sz="1300" dirty="0"/>
+              <a:t>/home/pr/</a:t>
+            </a:r>
+            <a:r>
+              <a:rPr lang="en-US" sz="1300" dirty="0" err="1"/>
+              <a:t>venv</a:t>
+            </a:r>
+            <a:r>
+              <a:rPr lang="en-US" sz="1300" dirty="0"/>
+              <a:t>/lib/python3.11/site-packages/</a:t>
+            </a:r>
+            <a:r>
+              <a:rPr lang="en-US" sz="1300" dirty="0" err="1"/>
+              <a:t>numpy</a:t>
+            </a:r>
+            <a:r>
+              <a:rPr lang="en-US" sz="1300" dirty="0"/>
+              <a:t>/random/bit_generator.cpython-311-x86_64-linux-gnu.so</a:t>
+            </a:r>
+          </a:p>
+          <a:p>
+            <a:r>
+              <a:rPr lang="en-US" sz="1300" dirty="0"/>
+              <a:t>/home/pr/</a:t>
+            </a:r>
+            <a:r>
+              <a:rPr lang="en-US" sz="1300" dirty="0" err="1"/>
+              <a:t>venv</a:t>
+            </a:r>
+            <a:r>
+              <a:rPr lang="en-US" sz="1300" dirty="0"/>
+              <a:t>/lib/python3.11/site-packages/</a:t>
+            </a:r>
+            <a:r>
+              <a:rPr lang="en-US" sz="1300" dirty="0" err="1"/>
+              <a:t>numpy</a:t>
+            </a:r>
+            <a:r>
+              <a:rPr lang="en-US" sz="1300" dirty="0"/>
+              <a:t>/random/_common.cpython-311-x86_64-linux-gnu.so</a:t>
+            </a:r>
+          </a:p>
+          <a:p>
+            <a:r>
+              <a:rPr lang="en-US" sz="1300" dirty="0"/>
+              <a:t>/home/pr/</a:t>
+            </a:r>
+            <a:r>
+              <a:rPr lang="en-US" sz="1300" dirty="0" err="1"/>
+              <a:t>venv</a:t>
+            </a:r>
+            <a:r>
+              <a:rPr lang="en-US" sz="1300" dirty="0"/>
+              <a:t>/lib/python3.11/site-packages/</a:t>
+            </a:r>
+            <a:r>
+              <a:rPr lang="en-US" sz="1300" dirty="0" err="1"/>
+              <a:t>numpy</a:t>
+            </a:r>
+            <a:r>
+              <a:rPr lang="en-US" sz="1300" dirty="0"/>
+              <a:t>/random/_bounded_integers.cpython-311-x86_64-linux-gnu.so</a:t>
+            </a:r>
+          </a:p>
+          <a:p>
+            <a:r>
+              <a:rPr lang="en-US" sz="1300" dirty="0"/>
+              <a:t>/home/pr/</a:t>
+            </a:r>
+            <a:r>
+              <a:rPr lang="en-US" sz="1300" dirty="0" err="1"/>
+              <a:t>venv</a:t>
+            </a:r>
+            <a:r>
+              <a:rPr lang="en-US" sz="1300" dirty="0"/>
+              <a:t>/lib/python3.11/site-packages/</a:t>
+            </a:r>
+            <a:r>
+              <a:rPr lang="en-US" sz="1300" dirty="0" err="1"/>
+              <a:t>numpy</a:t>
+            </a:r>
+            <a:r>
+              <a:rPr lang="en-US" sz="1300" dirty="0"/>
+              <a:t>/random/_mt19937.cpython-311-x86_64-linux-gnu.so</a:t>
+            </a:r>
+          </a:p>
+          <a:p>
+            <a:r>
+              <a:rPr lang="en-US" sz="1300" dirty="0"/>
+              <a:t>/home/pr/</a:t>
+            </a:r>
+            <a:r>
+              <a:rPr lang="en-US" sz="1300" dirty="0" err="1"/>
+              <a:t>venv</a:t>
+            </a:r>
+            <a:r>
+              <a:rPr lang="en-US" sz="1300" dirty="0"/>
+              <a:t>/lib/python3.11/site-packages/</a:t>
+            </a:r>
+            <a:r>
+              <a:rPr lang="en-US" sz="1300" dirty="0" err="1"/>
+              <a:t>numpy</a:t>
+            </a:r>
+            <a:r>
+              <a:rPr lang="en-US" sz="1300" dirty="0"/>
+              <a:t>/random/_philox.cpython-311-x86_64-linux-gnu.so</a:t>
+            </a:r>
+          </a:p>
+          <a:p>
+            <a:r>
+              <a:rPr lang="en-US" sz="1300" dirty="0"/>
+              <a:t>/home/pr/</a:t>
+            </a:r>
+            <a:r>
+              <a:rPr lang="en-US" sz="1300" dirty="0" err="1"/>
+              <a:t>venv</a:t>
+            </a:r>
+            <a:r>
+              <a:rPr lang="en-US" sz="1300" dirty="0"/>
+              <a:t>/lib/python3.11/site-packages/</a:t>
+            </a:r>
+            <a:r>
+              <a:rPr lang="en-US" sz="1300" dirty="0" err="1"/>
+              <a:t>numpy</a:t>
+            </a:r>
+            <a:r>
+              <a:rPr lang="en-US" sz="1300" dirty="0"/>
+              <a:t>/random/_pcg64.cpython-311-x86_64-linux-gnu.so</a:t>
+            </a:r>
+          </a:p>
+          <a:p>
+            <a:r>
+              <a:rPr lang="en-US" sz="1300" dirty="0"/>
+              <a:t>/home/pr/</a:t>
+            </a:r>
+            <a:r>
+              <a:rPr lang="en-US" sz="1300" dirty="0" err="1"/>
+              <a:t>venv</a:t>
+            </a:r>
+            <a:r>
+              <a:rPr lang="en-US" sz="1300" dirty="0"/>
+              <a:t>/lib/python3.11/site-packages/</a:t>
+            </a:r>
+            <a:r>
+              <a:rPr lang="en-US" sz="1300" dirty="0" err="1"/>
+              <a:t>numpy</a:t>
+            </a:r>
+            <a:r>
+              <a:rPr lang="en-US" sz="1300" dirty="0"/>
+              <a:t>/random/_sfc64.cpython-311-x86_64-linux-gnu.so</a:t>
+            </a:r>
+          </a:p>
+          <a:p>
+            <a:r>
+              <a:rPr lang="en-US" sz="1300" dirty="0"/>
+              <a:t>/home/pr/</a:t>
+            </a:r>
+            <a:r>
+              <a:rPr lang="en-US" sz="1300" dirty="0" err="1"/>
+              <a:t>venv</a:t>
+            </a:r>
+            <a:r>
+              <a:rPr lang="en-US" sz="1300" dirty="0"/>
+              <a:t>/lib/python3.11/site-packages/</a:t>
+            </a:r>
+            <a:r>
+              <a:rPr lang="en-US" sz="1300" dirty="0" err="1"/>
+              <a:t>numpy</a:t>
+            </a:r>
+            <a:r>
+              <a:rPr lang="en-US" sz="1300" dirty="0"/>
+              <a:t>/random/_generator.cpython-311-x86_64-linux-gnu.so</a:t>
+            </a:r>
+          </a:p>
+          <a:p>
+            <a:r>
+              <a:rPr lang="en-US" sz="1300" dirty="0"/>
+              <a:t>/home/pr/</a:t>
+            </a:r>
+            <a:r>
+              <a:rPr lang="en-US" sz="1300" dirty="0" err="1"/>
+              <a:t>venv</a:t>
+            </a:r>
+            <a:r>
+              <a:rPr lang="en-US" sz="1300" dirty="0"/>
+              <a:t>/lib/python3.11/site-packages/pandas/_libs/pandas_parser.cpython-311-x86_64-linux-gnu.so</a:t>
+            </a:r>
+          </a:p>
+          <a:p>
+            <a:r>
+              <a:rPr lang="en-US" sz="1300" dirty="0"/>
+              <a:t>/home/pr/</a:t>
+            </a:r>
+            <a:r>
+              <a:rPr lang="en-US" sz="1300" dirty="0" err="1"/>
+              <a:t>venv</a:t>
+            </a:r>
+            <a:r>
+              <a:rPr lang="en-US" sz="1300" dirty="0"/>
+              <a:t>/lib/python3.11/site-packages/pandas/_libs/pandas_datetime.cpython-311-x86_64-linux-gnu.so</a:t>
+            </a:r>
+          </a:p>
+          <a:p>
+            <a:r>
+              <a:rPr lang="en-US" sz="1300" dirty="0"/>
+              <a:t>/home/pr/</a:t>
+            </a:r>
+            <a:r>
+              <a:rPr lang="en-US" sz="1300" dirty="0" err="1"/>
+              <a:t>venv</a:t>
+            </a:r>
+            <a:r>
+              <a:rPr lang="en-US" sz="1300" dirty="0"/>
+              <a:t>/lib/python3.11/site-packages/pandas/_libs/interval.cpython-311-x86_64-linux-gnu.so</a:t>
+            </a:r>
+          </a:p>
+          <a:p>
+            <a:r>
+              <a:rPr lang="en-US" sz="1300" dirty="0"/>
+              <a:t>/home/pr/</a:t>
+            </a:r>
+            <a:r>
+              <a:rPr lang="en-US" sz="1300" dirty="0" err="1"/>
+              <a:t>venv</a:t>
+            </a:r>
+            <a:r>
+              <a:rPr lang="en-US" sz="1300" dirty="0"/>
+              <a:t>/lib/python3.11/site-packages/pandas/_libs/hashtable.cpython-311-x86_64-linux-gnu.so</a:t>
+            </a:r>
+          </a:p>
+          <a:p>
+            <a:r>
+              <a:rPr lang="en-US" sz="1300" dirty="0"/>
+              <a:t>/home/pr/</a:t>
+            </a:r>
+            <a:r>
+              <a:rPr lang="en-US" sz="1300" dirty="0" err="1"/>
+              <a:t>venv</a:t>
+            </a:r>
+            <a:r>
+              <a:rPr lang="en-US" sz="1300" dirty="0"/>
+              <a:t>/lib/python3.11/site-packages/pandas/_libs/missing.cpython-311-x86_64-linux-gnu.so</a:t>
+            </a:r>
+          </a:p>
+          <a:p>
+            <a:r>
+              <a:rPr lang="en-US" sz="1300" dirty="0"/>
+              <a:t>/home/pr/</a:t>
+            </a:r>
+            <a:r>
+              <a:rPr lang="en-US" sz="1300" dirty="0" err="1"/>
+              <a:t>venv</a:t>
+            </a:r>
+            <a:r>
+              <a:rPr lang="en-US" sz="1300" dirty="0"/>
+              <a:t>/lib/python3.11/site-packages/pandas/_libs/</a:t>
+            </a:r>
+            <a:r>
+              <a:rPr lang="en-US" sz="1300" dirty="0" err="1"/>
+              <a:t>tslibs</a:t>
+            </a:r>
+            <a:r>
+              <a:rPr lang="en-US" sz="1300" dirty="0"/>
+              <a:t>/dtypes.cpython-311-x86_64-linux-gnu.so</a:t>
+            </a:r>
+          </a:p>
+          <a:p>
+            <a:r>
+              <a:rPr lang="en-US" sz="1300" dirty="0"/>
+              <a:t>/home/pr/</a:t>
+            </a:r>
+            <a:r>
+              <a:rPr lang="en-US" sz="1300" dirty="0" err="1"/>
+              <a:t>venv</a:t>
+            </a:r>
+            <a:r>
+              <a:rPr lang="en-US" sz="1300" dirty="0"/>
+              <a:t>/lib/python3.11/site-packages/pandas/_libs/</a:t>
+            </a:r>
+            <a:r>
+              <a:rPr lang="en-US" sz="1300" dirty="0" err="1"/>
+              <a:t>tslibs</a:t>
+            </a:r>
+            <a:r>
+              <a:rPr lang="en-US" sz="1300" dirty="0"/>
+              <a:t>/np_datetime.cpython-311-x86_64-linux-gnu.so</a:t>
+            </a:r>
+          </a:p>
+          <a:p>
+            <a:r>
+              <a:rPr lang="en-US" sz="1300" dirty="0"/>
+              <a:t>/home/pr/</a:t>
+            </a:r>
+            <a:r>
+              <a:rPr lang="en-US" sz="1300" dirty="0" err="1"/>
+              <a:t>venv</a:t>
+            </a:r>
+            <a:r>
+              <a:rPr lang="en-US" sz="1300" dirty="0"/>
+              <a:t>/lib/python3.11/site-packages/pandas/_libs/</a:t>
+            </a:r>
+            <a:r>
+              <a:rPr lang="en-US" sz="1300" dirty="0" err="1"/>
+              <a:t>tslibs</a:t>
+            </a:r>
+            <a:r>
+              <a:rPr lang="en-US" sz="1300" dirty="0"/>
+              <a:t>/conversion.cpython-311-x86_64-linux-gnu.so</a:t>
+            </a:r>
+          </a:p>
+          <a:p>
+            <a:r>
+              <a:rPr lang="en-US" sz="1300" dirty="0"/>
+              <a:t>/home/pr/</a:t>
+            </a:r>
+            <a:r>
+              <a:rPr lang="en-US" sz="1300" dirty="0" err="1"/>
+              <a:t>venv</a:t>
+            </a:r>
+            <a:r>
+              <a:rPr lang="en-US" sz="1300" dirty="0"/>
+              <a:t>/lib/python3.11/site-packages/pandas/_libs/</a:t>
+            </a:r>
+            <a:r>
+              <a:rPr lang="en-US" sz="1300" dirty="0" err="1"/>
+              <a:t>tslibs</a:t>
+            </a:r>
+            <a:r>
+              <a:rPr lang="en-US" sz="1300" dirty="0"/>
+              <a:t>/base.cpython-311-x86_64-linux-gnu.so</a:t>
+            </a:r>
+          </a:p>
+          <a:p>
+            <a:r>
+              <a:rPr lang="en-US" sz="1300" dirty="0"/>
+              <a:t>/home/pr/</a:t>
+            </a:r>
+            <a:r>
+              <a:rPr lang="en-US" sz="1300" dirty="0" err="1"/>
+              <a:t>venv</a:t>
+            </a:r>
+            <a:r>
+              <a:rPr lang="en-US" sz="1300" dirty="0"/>
+              <a:t>/lib/python3.11/site-packages/pandas/_libs/</a:t>
+            </a:r>
+            <a:r>
+              <a:rPr lang="en-US" sz="1300" dirty="0" err="1"/>
+              <a:t>tslibs</a:t>
+            </a:r>
+            <a:r>
+              <a:rPr lang="en-US" sz="1300" dirty="0"/>
+              <a:t>/offsets.cpython-311-x86_64-linux-gnu.so</a:t>
+            </a:r>
+          </a:p>
+          <a:p>
+            <a:r>
+              <a:rPr lang="en-US" sz="1300" dirty="0"/>
+              <a:t>/home/pr/</a:t>
+            </a:r>
+            <a:r>
+              <a:rPr lang="en-US" sz="1300" dirty="0" err="1"/>
+              <a:t>venv</a:t>
+            </a:r>
+            <a:r>
+              <a:rPr lang="en-US" sz="1300" dirty="0"/>
+              <a:t>/lib/python3.11/site-packages/pandas/_libs/</a:t>
+            </a:r>
+            <a:r>
+              <a:rPr lang="en-US" sz="1300" dirty="0" err="1"/>
+              <a:t>tslibs</a:t>
+            </a:r>
+            <a:r>
+              <a:rPr lang="en-US" sz="1300" dirty="0"/>
+              <a:t>/timestamps.cpython-311-x86_64-linux-gnu.so</a:t>
+            </a:r>
+          </a:p>
+          <a:p>
+            <a:r>
+              <a:rPr lang="en-US" sz="1300" dirty="0"/>
+              <a:t>/home/pr/</a:t>
+            </a:r>
+            <a:r>
+              <a:rPr lang="en-US" sz="1300" dirty="0" err="1"/>
+              <a:t>venv</a:t>
+            </a:r>
+            <a:r>
+              <a:rPr lang="en-US" sz="1300" dirty="0"/>
+              <a:t>/lib/python3.11/site-packages/pandas/_libs/</a:t>
+            </a:r>
+            <a:r>
+              <a:rPr lang="en-US" sz="1300" dirty="0" err="1"/>
+              <a:t>tslibs</a:t>
+            </a:r>
+            <a:r>
+              <a:rPr lang="en-US" sz="1300" dirty="0"/>
+              <a:t>/nattype.cpython-311-x86_64-linux-gnu.so</a:t>
+            </a:r>
+          </a:p>
+          <a:p>
+            <a:r>
+              <a:rPr lang="en-US" sz="1300" dirty="0"/>
+              <a:t>/home/pr/</a:t>
+            </a:r>
+            <a:r>
+              <a:rPr lang="en-US" sz="1300" dirty="0" err="1"/>
+              <a:t>venv</a:t>
+            </a:r>
+            <a:r>
+              <a:rPr lang="en-US" sz="1300" dirty="0"/>
+              <a:t>/lib/python3.11/site-packages/pandas/_libs/</a:t>
+            </a:r>
+            <a:r>
+              <a:rPr lang="en-US" sz="1300" dirty="0" err="1"/>
+              <a:t>tslibs</a:t>
+            </a:r>
+            <a:r>
+              <a:rPr lang="en-US" sz="1300" dirty="0"/>
+              <a:t>/timedeltas.cpython-311-x86_64-linux-gnu.so</a:t>
+            </a:r>
+          </a:p>
+          <a:p>
+            <a:r>
+              <a:rPr lang="en-US" sz="1300" dirty="0"/>
+              <a:t>/home/pr/</a:t>
+            </a:r>
+            <a:r>
+              <a:rPr lang="en-US" sz="1300" dirty="0" err="1"/>
+              <a:t>venv</a:t>
+            </a:r>
+            <a:r>
+              <a:rPr lang="en-US" sz="1300" dirty="0"/>
+              <a:t>/lib/python3.11/site-packages/pandas/_libs/</a:t>
+            </a:r>
+            <a:r>
+              <a:rPr lang="en-US" sz="1300" dirty="0" err="1"/>
+              <a:t>tslibs</a:t>
+            </a:r>
+            <a:r>
+              <a:rPr lang="en-US" sz="1300" dirty="0"/>
+              <a:t>/timezones.cpython-311-x86_64-linux-gnu.so</a:t>
+            </a:r>
+          </a:p>
+          <a:p>
+            <a:r>
+              <a:rPr lang="en-US" sz="1300" dirty="0"/>
+              <a:t>/home/pr/</a:t>
+            </a:r>
+            <a:r>
+              <a:rPr lang="en-US" sz="1300" dirty="0" err="1"/>
+              <a:t>venv</a:t>
+            </a:r>
+            <a:r>
+              <a:rPr lang="en-US" sz="1300" dirty="0"/>
+              <a:t>/lib/python3.11/site-packages/pandas/_libs/</a:t>
+            </a:r>
+            <a:r>
+              <a:rPr lang="en-US" sz="1300" dirty="0" err="1"/>
+              <a:t>tslibs</a:t>
+            </a:r>
+            <a:r>
+              <a:rPr lang="en-US" sz="1300" dirty="0"/>
+              <a:t>/fields.cpython-311-x86_64-linux-gnu.so</a:t>
+            </a:r>
+          </a:p>
+          <a:p>
+            <a:r>
+              <a:rPr lang="en-US" sz="1300" dirty="0"/>
+              <a:t>/home/pr/</a:t>
+            </a:r>
+            <a:r>
+              <a:rPr lang="en-US" sz="1300" dirty="0" err="1"/>
+              <a:t>venv</a:t>
+            </a:r>
+            <a:r>
+              <a:rPr lang="en-US" sz="1300" dirty="0"/>
+              <a:t>/lib/python3.11/site-packages/pandas/_libs/</a:t>
+            </a:r>
+            <a:r>
+              <a:rPr lang="en-US" sz="1300" dirty="0" err="1"/>
+              <a:t>tslibs</a:t>
+            </a:r>
+            <a:r>
+              <a:rPr lang="en-US" sz="1300" dirty="0"/>
+              <a:t>/ccalendar.cpython-311-x86_64-linux-gnu.so</a:t>
+            </a:r>
+          </a:p>
+          <a:p>
+            <a:r>
+              <a:rPr lang="en-US" sz="1300" dirty="0"/>
+              <a:t>/home/pr/</a:t>
+            </a:r>
+            <a:r>
+              <a:rPr lang="en-US" sz="1300" dirty="0" err="1"/>
+              <a:t>venv</a:t>
+            </a:r>
+            <a:r>
+              <a:rPr lang="en-US" sz="1300" dirty="0"/>
+              <a:t>/lib/python3.11/site-packages/pandas/_libs/</a:t>
+            </a:r>
+            <a:r>
+              <a:rPr lang="en-US" sz="1300" dirty="0" err="1"/>
+              <a:t>tslibs</a:t>
+            </a:r>
+            <a:r>
+              <a:rPr lang="en-US" sz="1300" dirty="0"/>
+              <a:t>/tzconversion.cpython-311-x86_64-linux-gnu.so</a:t>
+            </a:r>
+          </a:p>
+          <a:p>
+            <a:r>
+              <a:rPr lang="en-US" sz="1300" dirty="0"/>
+              <a:t>/home/pr/</a:t>
+            </a:r>
+            <a:r>
+              <a:rPr lang="en-US" sz="1300" dirty="0" err="1"/>
+              <a:t>venv</a:t>
+            </a:r>
+            <a:r>
+              <a:rPr lang="en-US" sz="1300" dirty="0"/>
+              <a:t>/lib/python3.11/site-packages/pandas/_libs/properties.cpython-311-x86_64-linux-gnu.so</a:t>
+            </a:r>
+          </a:p>
+          <a:p>
+            <a:r>
+              <a:rPr lang="en-US" sz="1300" dirty="0"/>
+              <a:t>/home/pr/</a:t>
+            </a:r>
+            <a:r>
+              <a:rPr lang="en-US" sz="1300" dirty="0" err="1"/>
+              <a:t>venv</a:t>
+            </a:r>
+            <a:r>
+              <a:rPr lang="en-US" sz="1300" dirty="0"/>
+              <a:t>/lib/python3.11/site-packages/pandas/_libs/</a:t>
+            </a:r>
+            <a:r>
+              <a:rPr lang="en-US" sz="1300" dirty="0" err="1"/>
+              <a:t>tslibs</a:t>
+            </a:r>
+            <a:r>
+              <a:rPr lang="en-US" sz="1300" dirty="0"/>
+              <a:t>/parsing.cpython-311-x86_64-linux-gnu.so</a:t>
+            </a:r>
+          </a:p>
+          <a:p>
+            <a:r>
+              <a:rPr lang="en-US" sz="1300" dirty="0"/>
+              <a:t>/home/pr/</a:t>
+            </a:r>
+            <a:r>
+              <a:rPr lang="en-US" sz="1300" dirty="0" err="1"/>
+              <a:t>venv</a:t>
+            </a:r>
+            <a:r>
+              <a:rPr lang="en-US" sz="1300" dirty="0"/>
+              <a:t>/lib/python3.11/site-packages/pandas/_libs/</a:t>
+            </a:r>
+            <a:r>
+              <a:rPr lang="en-US" sz="1300" dirty="0" err="1"/>
+              <a:t>tslibs</a:t>
+            </a:r>
+            <a:r>
+              <a:rPr lang="en-US" sz="1300" dirty="0"/>
+              <a:t>/strptime.cpython-311-x86_64-linux-gnu.so</a:t>
+            </a:r>
+          </a:p>
+          <a:p>
+            <a:r>
+              <a:rPr lang="en-US" sz="1300" dirty="0"/>
+              <a:t>/home/pr/</a:t>
+            </a:r>
+            <a:r>
+              <a:rPr lang="en-US" sz="1300" dirty="0" err="1"/>
+              <a:t>venv</a:t>
+            </a:r>
+            <a:r>
+              <a:rPr lang="en-US" sz="1300" dirty="0"/>
+              <a:t>/lib/python3.11/site-packages/pandas/_libs/</a:t>
+            </a:r>
+            <a:r>
+              <a:rPr lang="en-US" sz="1300" dirty="0" err="1"/>
+              <a:t>tslibs</a:t>
+            </a:r>
+            <a:r>
+              <a:rPr lang="en-US" sz="1300" dirty="0"/>
+              <a:t>/period.cpython-311-x86_64-linux-gnu.so</a:t>
+            </a:r>
+          </a:p>
+          <a:p>
+            <a:r>
+              <a:rPr lang="en-US" sz="1300" dirty="0"/>
+              <a:t>/home/pr/</a:t>
+            </a:r>
+            <a:r>
+              <a:rPr lang="en-US" sz="1300" dirty="0" err="1"/>
+              <a:t>venv</a:t>
+            </a:r>
+            <a:r>
+              <a:rPr lang="en-US" sz="1300" dirty="0"/>
+              <a:t>/lib/python3.11/site-packages/pandas/_libs/</a:t>
+            </a:r>
+            <a:r>
+              <a:rPr lang="en-US" sz="1300" dirty="0" err="1"/>
+              <a:t>tslibs</a:t>
+            </a:r>
+            <a:r>
+              <a:rPr lang="en-US" sz="1300" dirty="0"/>
+              <a:t>/vectorized.cpython-311-x86_64-linux-gnu.so</a:t>
+            </a:r>
+          </a:p>
+          <a:p>
+            <a:r>
+              <a:rPr lang="en-US" sz="1300" dirty="0"/>
+              <a:t>/home/pr/</a:t>
+            </a:r>
+            <a:r>
+              <a:rPr lang="en-US" sz="1300" dirty="0" err="1"/>
+              <a:t>venv</a:t>
+            </a:r>
+            <a:r>
+              <a:rPr lang="en-US" sz="1300" dirty="0"/>
+              <a:t>/lib/python3.11/site-packages/pandas/_libs/ops_dispatch.cpython-311-x86_64-linux-gnu.so</a:t>
+            </a:r>
+          </a:p>
+          <a:p>
+            <a:r>
+              <a:rPr lang="en-US" sz="1300" dirty="0"/>
+              <a:t>/home/pr/</a:t>
+            </a:r>
+            <a:r>
+              <a:rPr lang="en-US" sz="1300" dirty="0" err="1"/>
+              <a:t>venv</a:t>
+            </a:r>
+            <a:r>
+              <a:rPr lang="en-US" sz="1300" dirty="0"/>
+              <a:t>/lib/python3.11/site-packages/pandas/_libs/algos.cpython-311-x86_64-linux-gnu.so</a:t>
+            </a:r>
+          </a:p>
+          <a:p>
+            <a:r>
+              <a:rPr lang="en-US" sz="1300" dirty="0"/>
+              <a:t>/home/pr/</a:t>
+            </a:r>
+            <a:r>
+              <a:rPr lang="en-US" sz="1300" dirty="0" err="1"/>
+              <a:t>venv</a:t>
+            </a:r>
+            <a:r>
+              <a:rPr lang="en-US" sz="1300" dirty="0"/>
+              <a:t>/lib/python3.11/site-packages/pandas/_libs/lib.cpython-311-x86_64-linux-gnu.so</a:t>
+            </a:r>
+          </a:p>
+          <a:p>
+            <a:r>
+              <a:rPr lang="en-US" sz="1300" dirty="0"/>
+              <a:t>/home/pr/</a:t>
+            </a:r>
+            <a:r>
+              <a:rPr lang="en-US" sz="1300" dirty="0" err="1"/>
+              <a:t>venv</a:t>
+            </a:r>
+            <a:r>
+              <a:rPr lang="en-US" sz="1300" dirty="0"/>
+              <a:t>/lib/python3.11/site-packages/pandas/_libs/ops.cpython-311-x86_64-linux-gnu.so</a:t>
+            </a:r>
+          </a:p>
+          <a:p>
+            <a:r>
+              <a:rPr lang="en-US" sz="1300" dirty="0"/>
+              <a:t>/home/pr/</a:t>
+            </a:r>
+            <a:r>
+              <a:rPr lang="en-US" sz="1300" dirty="0" err="1"/>
+              <a:t>venv</a:t>
+            </a:r>
+            <a:r>
+              <a:rPr lang="en-US" sz="1300" dirty="0"/>
+              <a:t>/lib/python3.11/site-packages/pandas/_libs/arrays.cpython-311-x86_64-linux-gnu.so</a:t>
+            </a:r>
+          </a:p>
+          <a:p>
+            <a:r>
+              <a:rPr lang="en-US" sz="1300" dirty="0"/>
+              <a:t>/home/pr/</a:t>
+            </a:r>
+            <a:r>
+              <a:rPr lang="en-US" sz="1300" dirty="0" err="1"/>
+              <a:t>venv</a:t>
+            </a:r>
+            <a:r>
+              <a:rPr lang="en-US" sz="1300" dirty="0"/>
+              <a:t>/lib/python3.11/site-packages/pandas/_libs/tslib.cpython-311-x86_64-linux-gnu.so</a:t>
+            </a:r>
+          </a:p>
+          <a:p>
+            <a:r>
+              <a:rPr lang="en-US" sz="1300" dirty="0"/>
+              <a:t>/home/pr/</a:t>
+            </a:r>
+            <a:r>
+              <a:rPr lang="en-US" sz="1300" dirty="0" err="1"/>
+              <a:t>venv</a:t>
+            </a:r>
+            <a:r>
+              <a:rPr lang="en-US" sz="1300" dirty="0"/>
+              <a:t>/lib/python3.11/site-packages/pandas/_libs/sparse.cpython-311-x86_64-linux-gnu.so</a:t>
+            </a:r>
+          </a:p>
+          <a:p>
+            <a:r>
+              <a:rPr lang="en-US" sz="1300" dirty="0"/>
+              <a:t>/home/pr/</a:t>
+            </a:r>
+            <a:r>
+              <a:rPr lang="en-US" sz="1300" dirty="0" err="1"/>
+              <a:t>venv</a:t>
+            </a:r>
+            <a:r>
+              <a:rPr lang="en-US" sz="1300" dirty="0"/>
+              <a:t>/lib/python3.11/site-packages/pandas/_libs/indexing.cpython-311-x86_64-linux-gnu.so</a:t>
+            </a:r>
+          </a:p>
+          <a:p>
+            <a:r>
+              <a:rPr lang="en-US" sz="1300" dirty="0"/>
+              <a:t>/home/pr/</a:t>
+            </a:r>
+            <a:r>
+              <a:rPr lang="en-US" sz="1300" dirty="0" err="1"/>
+              <a:t>venv</a:t>
+            </a:r>
+            <a:r>
+              <a:rPr lang="en-US" sz="1300" dirty="0"/>
+              <a:t>/lib/python3.11/site-packages/pandas/_libs/index.cpython-311-x86_64-linux-gnu.so</a:t>
+            </a:r>
+          </a:p>
+          <a:p>
+            <a:r>
+              <a:rPr lang="en-US" sz="1300" dirty="0"/>
+              <a:t>/home/pr/</a:t>
+            </a:r>
+            <a:r>
+              <a:rPr lang="en-US" sz="1300" dirty="0" err="1"/>
+              <a:t>venv</a:t>
+            </a:r>
+            <a:r>
+              <a:rPr lang="en-US" sz="1300" dirty="0"/>
+              <a:t>/lib/python3.11/site-packages/pandas/_libs/internals.cpython-311-x86_64-linux-gnu.so</a:t>
+            </a:r>
+          </a:p>
+          <a:p>
+            <a:r>
+              <a:rPr lang="en-US" sz="1300" dirty="0"/>
+              <a:t>/home/pr/</a:t>
+            </a:r>
+            <a:r>
+              <a:rPr lang="en-US" sz="1300" dirty="0" err="1"/>
+              <a:t>venv</a:t>
+            </a:r>
+            <a:r>
+              <a:rPr lang="en-US" sz="1300" dirty="0"/>
+              <a:t>/lib/python3.11/site-packages/pandas/_libs/join.cpython-311-x86_64-linux-gnu.so</a:t>
+            </a:r>
+          </a:p>
+          <a:p>
+            <a:r>
+              <a:rPr lang="en-US" sz="1300" dirty="0"/>
+              <a:t>/home/pr/</a:t>
+            </a:r>
+            <a:r>
+              <a:rPr lang="en-US" sz="1300" dirty="0" err="1"/>
+              <a:t>venv</a:t>
+            </a:r>
+            <a:r>
+              <a:rPr lang="en-US" sz="1300" dirty="0"/>
+              <a:t>/lib/python3.11/site-packages/pandas/_libs/writers.cpython-311-x86_64-linux-gnu.so</a:t>
+            </a:r>
+          </a:p>
+          <a:p>
+            <a:r>
+              <a:rPr lang="en-US" sz="1300" dirty="0"/>
+              <a:t>/home/pr/</a:t>
+            </a:r>
+            <a:r>
+              <a:rPr lang="en-US" sz="1300" dirty="0" err="1"/>
+              <a:t>venv</a:t>
+            </a:r>
+            <a:r>
+              <a:rPr lang="en-US" sz="1300" dirty="0"/>
+              <a:t>/lib/python3.11/site-packages/pandas/_libs/window/aggregations.cpython-311-x86_64-linux-gnu.so</a:t>
+            </a:r>
+          </a:p>
+          <a:p>
+            <a:r>
+              <a:rPr lang="en-US" sz="1300" dirty="0"/>
+              <a:t>/home/pr/</a:t>
+            </a:r>
+            <a:r>
+              <a:rPr lang="en-US" sz="1300" dirty="0" err="1"/>
+              <a:t>venv</a:t>
+            </a:r>
+            <a:r>
+              <a:rPr lang="en-US" sz="1300" dirty="0"/>
+              <a:t>/lib/python3.11/site-packages/pandas/_libs/window/indexers.cpython-311-x86_64-linux-gnu.so</a:t>
+            </a:r>
+          </a:p>
+          <a:p>
+            <a:r>
+              <a:rPr lang="en-US" sz="1300" dirty="0"/>
+              <a:t>/home/pr/</a:t>
+            </a:r>
+            <a:r>
+              <a:rPr lang="en-US" sz="1300" dirty="0" err="1"/>
+              <a:t>venv</a:t>
+            </a:r>
+            <a:r>
+              <a:rPr lang="en-US" sz="1300" dirty="0"/>
+              <a:t>/lib/python3.11/site-packages/pandas/_libs/reshape.cpython-311-x86_64-linux-gnu.so</a:t>
+            </a:r>
+          </a:p>
+          <a:p>
+            <a:r>
+              <a:rPr lang="en-US" sz="1300" dirty="0"/>
+              <a:t>/home/pr/</a:t>
+            </a:r>
+            <a:r>
+              <a:rPr lang="en-US" sz="1300" dirty="0" err="1"/>
+              <a:t>venv</a:t>
+            </a:r>
+            <a:r>
+              <a:rPr lang="en-US" sz="1300" dirty="0"/>
+              <a:t>/lib/python3.11/site-packages/pandas/_libs/groupby.cpython-311-x86_64-linux-gnu.so</a:t>
+            </a:r>
+          </a:p>
+          <a:p>
+            <a:r>
+              <a:rPr lang="en-US" sz="1300" dirty="0"/>
+              <a:t>/home/pr/</a:t>
+            </a:r>
+            <a:r>
+              <a:rPr lang="en-US" sz="1300" dirty="0" err="1"/>
+              <a:t>venv</a:t>
+            </a:r>
+            <a:r>
+              <a:rPr lang="en-US" sz="1300" dirty="0"/>
+              <a:t>/lib/python3.11/site-packages/pandas/_libs/json.cpython-311-x86_64-linux-gnu.so</a:t>
+            </a:r>
+          </a:p>
+          <a:p>
+            <a:r>
+              <a:rPr lang="en-US" sz="1300" dirty="0"/>
+              <a:t>/home/pr/</a:t>
+            </a:r>
+            <a:r>
+              <a:rPr lang="en-US" sz="1300" dirty="0" err="1"/>
+              <a:t>venv</a:t>
+            </a:r>
+            <a:r>
+              <a:rPr lang="en-US" sz="1300" dirty="0"/>
+              <a:t>/lib/python3.11/site-packages/pandas/_libs/parsers.cpython-311-x86_64-linux-gnu.so</a:t>
+            </a:r>
+          </a:p>
+          <a:p>
+            <a:r>
+              <a:rPr lang="en-US" sz="1300" dirty="0"/>
+              <a:t>/home/pr/</a:t>
+            </a:r>
+            <a:r>
+              <a:rPr lang="en-US" sz="1300" dirty="0" err="1"/>
+              <a:t>venv</a:t>
+            </a:r>
+            <a:r>
+              <a:rPr lang="en-US" sz="1300" dirty="0"/>
+              <a:t>/lib/python3.11/site-packages/pandas/_libs/testing.cpython-311-x86_64-linux-gnu.so</a:t>
             </a:r>
           </a:p>
         </p:txBody>
